--- a/docs/Презентация.pptx
+++ b/docs/Презентация.pptx
@@ -293,7 +293,7 @@
           <a:p>
             <a:fld id="{72EA7947-E287-4738-8C82-07CE4F01EF03}" type="datetime2">
               <a:rPr lang="en-US" smtClean="0"/>
-              <a:t>Tuesday, October 22, 2024</a:t>
+              <a:t>Tuesday, November 26, 2024</a:t>
             </a:fld>
             <a:endParaRPr lang="en-US" dirty="0"/>
           </a:p>
@@ -1329,7 +1329,7 @@
           <a:p>
             <a:fld id="{EE2EBD84-71F4-4271-8C46-0D47C0A9B12E}" type="datetime2">
               <a:rPr lang="en-US" smtClean="0"/>
-              <a:t>Tuesday, October 22, 2024</a:t>
+              <a:t>Tuesday, November 26, 2024</a:t>
             </a:fld>
             <a:endParaRPr lang="en-US"/>
           </a:p>
@@ -1540,7 +1540,7 @@
           <a:p>
             <a:fld id="{ABAE0CE1-F450-4107-B2CB-17B18F8A3F4A}" type="datetime2">
               <a:rPr lang="en-US" smtClean="0"/>
-              <a:t>Tuesday, October 22, 2024</a:t>
+              <a:t>Tuesday, November 26, 2024</a:t>
             </a:fld>
             <a:endParaRPr lang="en-US"/>
           </a:p>
@@ -2205,7 +2205,7 @@
           <a:p>
             <a:fld id="{6FE8C025-CD7A-4966-867E-81CF82B15267}" type="datetime2">
               <a:rPr lang="en-US" smtClean="0"/>
-              <a:t>Tuesday, October 22, 2024</a:t>
+              <a:t>Tuesday, November 26, 2024</a:t>
             </a:fld>
             <a:endParaRPr lang="en-US"/>
           </a:p>
@@ -2825,7 +2825,7 @@
           <a:p>
             <a:fld id="{FE809929-0719-4517-94D6-FDF7F99E70F6}" type="datetime2">
               <a:rPr lang="en-US" smtClean="0"/>
-              <a:t>Tuesday, October 22, 2024</a:t>
+              <a:t>Tuesday, November 26, 2024</a:t>
             </a:fld>
             <a:endParaRPr lang="en-US"/>
           </a:p>
@@ -3943,7 +3943,7 @@
           <a:p>
             <a:fld id="{20E95673-5512-4AAA-9AEB-E00C61EC65D5}" type="datetime2">
               <a:rPr lang="en-US" smtClean="0"/>
-              <a:t>Tuesday, October 22, 2024</a:t>
+              <a:t>Tuesday, November 26, 2024</a:t>
             </a:fld>
             <a:endParaRPr lang="en-US"/>
           </a:p>
@@ -4490,7 +4490,7 @@
           <a:p>
             <a:fld id="{C13138FA-2E87-4873-8BBA-13E447C9A99A}" type="datetime2">
               <a:rPr lang="en-US" smtClean="0"/>
-              <a:t>Tuesday, October 22, 2024</a:t>
+              <a:t>Tuesday, November 26, 2024</a:t>
             </a:fld>
             <a:endParaRPr lang="en-US"/>
           </a:p>
@@ -4651,7 +4651,7 @@
           <a:p>
             <a:fld id="{D75BB40A-97BD-4BFB-B639-0BFF95FDE8B7}" type="datetime2">
               <a:rPr lang="en-US" smtClean="0"/>
-              <a:t>Tuesday, October 22, 2024</a:t>
+              <a:t>Tuesday, November 26, 2024</a:t>
             </a:fld>
             <a:endParaRPr lang="en-US"/>
           </a:p>
@@ -5686,7 +5686,7 @@
           <a:p>
             <a:fld id="{9EE9E0E3-ECF6-4CFE-8698-AEFEBCECC3C0}" type="datetime2">
               <a:rPr lang="en-US" smtClean="0"/>
-              <a:t>Tuesday, October 22, 2024</a:t>
+              <a:t>Tuesday, November 26, 2024</a:t>
             </a:fld>
             <a:endParaRPr lang="en-US"/>
           </a:p>
@@ -6332,7 +6332,7 @@
           <a:p>
             <a:fld id="{251462FC-960E-4740-921F-B36862979F21}" type="datetime2">
               <a:rPr lang="en-US" smtClean="0"/>
-              <a:t>Tuesday, October 22, 2024</a:t>
+              <a:t>Tuesday, November 26, 2024</a:t>
             </a:fld>
             <a:endParaRPr lang="en-US"/>
           </a:p>
@@ -7096,7 +7096,7 @@
           <a:p>
             <a:fld id="{E50BC9E2-CB44-4C05-9BB5-496C18A241E0}" type="datetime2">
               <a:rPr lang="en-US" smtClean="0"/>
-              <a:t>Tuesday, October 22, 2024</a:t>
+              <a:t>Tuesday, November 26, 2024</a:t>
             </a:fld>
             <a:endParaRPr lang="en-US"/>
           </a:p>
@@ -7349,7 +7349,7 @@
           <a:p>
             <a:fld id="{246CB39B-5F4C-4A7E-9BE3-AAFD45576D16}" type="datetime2">
               <a:rPr lang="en-US" smtClean="0"/>
-              <a:t>Tuesday, October 22, 2024</a:t>
+              <a:t>Tuesday, November 26, 2024</a:t>
             </a:fld>
             <a:endParaRPr lang="en-US" dirty="0"/>
           </a:p>
@@ -9992,7 +9992,7 @@
               <a:t>2. Руслан </a:t>
             </a:r>
             <a:r>
-              <a:rPr lang="ru-RU" sz="2200" b="1" err="1">
+              <a:rPr lang="ru-RU" sz="2200" b="1" dirty="0" err="1">
                 <a:solidFill>
                   <a:schemeClr val="tx1"/>
                 </a:solidFill>
@@ -10021,7 +10021,7 @@
               <a:t>3. Максим </a:t>
             </a:r>
             <a:r>
-              <a:rPr lang="ru-RU" sz="2200" b="1" err="1">
+              <a:rPr lang="ru-RU" sz="2200" b="1" dirty="0" err="1">
                 <a:solidFill>
                   <a:schemeClr val="tx1"/>
                 </a:solidFill>
@@ -10050,7 +10050,7 @@
               <a:t>4. Екатерина </a:t>
             </a:r>
             <a:r>
-              <a:rPr lang="ru-RU" sz="2200" b="1" err="1">
+              <a:rPr lang="ru-RU" sz="2200" b="1" dirty="0" err="1">
                 <a:solidFill>
                   <a:schemeClr val="tx1"/>
                 </a:solidFill>
@@ -10094,18 +10094,7 @@
                 <a:ea typeface="Source Sans Pro"/>
                 <a:cs typeface="Arial"/>
               </a:rPr>
-              <a:t>6. Анна </a:t>
-            </a:r>
-            <a:r>
-              <a:rPr lang="ru-RU" sz="2200" b="1" err="1">
-                <a:solidFill>
-                  <a:schemeClr val="tx1"/>
-                </a:solidFill>
-                <a:latin typeface="Arial Black"/>
-                <a:ea typeface="Source Sans Pro"/>
-                <a:cs typeface="Arial"/>
-              </a:rPr>
-              <a:t>Боязитова</a:t>
+              <a:t>6. Анна Боязитова</a:t>
             </a:r>
             <a:br>
               <a:rPr lang="ru-RU" sz="2200" b="1" dirty="0">
@@ -10740,7 +10729,7 @@
         </p:nvSpPr>
         <p:spPr>
           <a:xfrm>
-            <a:off x="4249531" y="5265529"/>
+            <a:off x="4248281" y="5210803"/>
             <a:ext cx="5261112" cy="369332"/>
           </a:xfrm>
           <a:prstGeom prst="rect">
